--- a/Wireframe.pptx
+++ b/Wireframe.pptx
@@ -7,8 +7,10 @@
   <p:sldIdLst>
     <p:sldId id="256" r:id="rId2"/>
     <p:sldId id="258" r:id="rId3"/>
-    <p:sldId id="259" r:id="rId4"/>
-    <p:sldId id="260" r:id="rId5"/>
+    <p:sldId id="267" r:id="rId4"/>
+    <p:sldId id="268" r:id="rId5"/>
+    <p:sldId id="262" r:id="rId6"/>
+    <p:sldId id="266" r:id="rId7"/>
   </p:sldIdLst>
   <p:sldSz cx="12192000" cy="6858000"/>
   <p:notesSz cx="6858000" cy="9144000"/>
@@ -110,19 +112,28 @@
   <p:extLst>
     <p:ext uri="{521415D9-36F7-43E2-AB2F-B90AF26B5E84}">
       <p14:sectionLst xmlns:p14="http://schemas.microsoft.com/office/powerpoint/2010/main">
-        <p14:section name="Default Section" id="{FB4EC8A8-6F46-4C2B-B58C-B1BD589770B2}">
+        <p14:section name="General Layout" id="{FB4EC8A8-6F46-4C2B-B58C-B1BD589770B2}">
           <p14:sldIdLst>
             <p14:sldId id="256"/>
             <p14:sldId id="258"/>
           </p14:sldIdLst>
         </p14:section>
+        <p14:section name="Card Templates" id="{E584479E-EEDD-49F5-AA32-91D2516ACFDF}">
+          <p14:sldIdLst>
+            <p14:sldId id="267"/>
+            <p14:sldId id="268"/>
+          </p14:sldIdLst>
+        </p14:section>
         <p14:section name="Extra Credit: Checkout Functionality" id="{15A3A81D-C78B-44AA-8E00-0EBFB05A7196}">
           <p14:sldIdLst>
-            <p14:sldId id="259"/>
-            <p14:sldId id="260"/>
+            <p14:sldId id="262"/>
+            <p14:sldId id="266"/>
           </p14:sldIdLst>
         </p14:section>
       </p14:sectionLst>
+    </p:ext>
+    <p:ext uri="{EFAFB233-063F-42B5-8137-9DF3F51BA10A}">
+      <p15:sldGuideLst xmlns:p15="http://schemas.microsoft.com/office/powerpoint/2012/main"/>
     </p:ext>
   </p:extLst>
 </p:presentation>
@@ -4049,7 +4060,7 @@
             <a:pPr algn="ctr"/>
             <a:r>
               <a:rPr lang="en-US" dirty="0"/>
-              <a:t>Checkout option</a:t>
+              <a:t>Post Card Template</a:t>
             </a:r>
           </a:p>
         </p:txBody>
@@ -4093,40 +4104,386 @@
           </a:prstGeom>
         </p:spPr>
       </p:pic>
-      <p:pic>
-        <p:nvPicPr>
-          <p:cNvPr id="9" name="Picture 8">
-            <a:extLst>
-              <a:ext uri="{FF2B5EF4-FFF2-40B4-BE49-F238E27FC236}">
-                <a16:creationId xmlns:a16="http://schemas.microsoft.com/office/drawing/2014/main" id="{720C87A2-7D9C-36C1-6E32-9395B558F477}"/>
-              </a:ext>
-            </a:extLst>
-          </p:cNvPr>
-          <p:cNvPicPr>
-            <a:picLocks noChangeAspect="1"/>
-          </p:cNvPicPr>
+      <p:grpSp>
+        <p:nvGrpSpPr>
+          <p:cNvPr id="8" name="Group 7">
+            <a:extLst>
+              <a:ext uri="{FF2B5EF4-FFF2-40B4-BE49-F238E27FC236}">
+                <a16:creationId xmlns:a16="http://schemas.microsoft.com/office/drawing/2014/main" id="{533BBA14-980D-5EF9-223A-05C9DBD9DE51}"/>
+              </a:ext>
+            </a:extLst>
+          </p:cNvPr>
+          <p:cNvGrpSpPr/>
           <p:nvPr/>
-        </p:nvPicPr>
-        <p:blipFill>
-          <a:blip r:embed="rId4"/>
-          <a:stretch>
-            <a:fillRect/>
-          </a:stretch>
-        </p:blipFill>
+        </p:nvGrpSpPr>
+        <p:grpSpPr>
+          <a:xfrm>
+            <a:off x="156964" y="2760450"/>
+            <a:ext cx="5917721" cy="3303917"/>
+            <a:chOff x="1647645" y="1621766"/>
+            <a:chExt cx="8686800" cy="4511615"/>
+          </a:xfrm>
+        </p:grpSpPr>
+        <p:sp>
+          <p:nvSpPr>
+            <p:cNvPr id="2" name="Rectangle 1">
+              <a:extLst>
+                <a:ext uri="{FF2B5EF4-FFF2-40B4-BE49-F238E27FC236}">
+                  <a16:creationId xmlns:a16="http://schemas.microsoft.com/office/drawing/2014/main" id="{EC669184-27EB-F3F8-7CF0-EA725F7CBDE9}"/>
+                </a:ext>
+              </a:extLst>
+            </p:cNvPr>
+            <p:cNvSpPr/>
+            <p:nvPr/>
+          </p:nvSpPr>
+          <p:spPr>
+            <a:xfrm>
+              <a:off x="1647645" y="1621766"/>
+              <a:ext cx="8686800" cy="4511615"/>
+            </a:xfrm>
+            <a:prstGeom prst="rect">
+              <a:avLst/>
+            </a:prstGeom>
+            <a:solidFill>
+              <a:schemeClr val="bg1">
+                <a:lumMod val="85000"/>
+              </a:schemeClr>
+            </a:solidFill>
+          </p:spPr>
+          <p:style>
+            <a:lnRef idx="2">
+              <a:schemeClr val="accent1">
+                <a:shade val="50000"/>
+              </a:schemeClr>
+            </a:lnRef>
+            <a:fillRef idx="1">
+              <a:schemeClr val="accent1"/>
+            </a:fillRef>
+            <a:effectRef idx="0">
+              <a:schemeClr val="accent1"/>
+            </a:effectRef>
+            <a:fontRef idx="minor">
+              <a:schemeClr val="lt1"/>
+            </a:fontRef>
+          </p:style>
+          <p:txBody>
+            <a:bodyPr rtlCol="0" anchor="ctr"/>
+            <a:lstStyle/>
+            <a:p>
+              <a:pPr algn="ctr"/>
+              <a:endParaRPr lang="en-US" dirty="0"/>
+            </a:p>
+          </p:txBody>
+        </p:sp>
+        <p:pic>
+          <p:nvPicPr>
+            <p:cNvPr id="5" name="Picture 4" descr="Black 3D wave patterns">
+              <a:extLst>
+                <a:ext uri="{FF2B5EF4-FFF2-40B4-BE49-F238E27FC236}">
+                  <a16:creationId xmlns:a16="http://schemas.microsoft.com/office/drawing/2014/main" id="{7E2C3670-D288-6953-CBC8-4288B049CCA6}"/>
+                </a:ext>
+              </a:extLst>
+            </p:cNvPr>
+            <p:cNvPicPr>
+              <a:picLocks noChangeAspect="1"/>
+            </p:cNvPicPr>
+            <p:nvPr/>
+          </p:nvPicPr>
+          <p:blipFill>
+            <a:blip r:embed="rId4">
+              <a:extLst>
+                <a:ext uri="{28A0092B-C50C-407E-A947-70E740481C1C}">
+                  <a14:useLocalDpi xmlns:a14="http://schemas.microsoft.com/office/drawing/2010/main" val="0"/>
+                </a:ext>
+              </a:extLst>
+            </a:blip>
+            <a:stretch>
+              <a:fillRect/>
+            </a:stretch>
+          </p:blipFill>
+          <p:spPr>
+            <a:xfrm>
+              <a:off x="1647645" y="2337757"/>
+              <a:ext cx="8686800" cy="3795623"/>
+            </a:xfrm>
+            <a:prstGeom prst="rect">
+              <a:avLst/>
+            </a:prstGeom>
+          </p:spPr>
+        </p:pic>
+        <p:sp>
+          <p:nvSpPr>
+            <p:cNvPr id="7" name="Rectangle 6">
+              <a:extLst>
+                <a:ext uri="{FF2B5EF4-FFF2-40B4-BE49-F238E27FC236}">
+                  <a16:creationId xmlns:a16="http://schemas.microsoft.com/office/drawing/2014/main" id="{F59CEB77-E3CE-7E28-696A-AE61EC66D20E}"/>
+                </a:ext>
+              </a:extLst>
+            </p:cNvPr>
+            <p:cNvSpPr/>
+            <p:nvPr/>
+          </p:nvSpPr>
+          <p:spPr>
+            <a:xfrm>
+              <a:off x="1647645" y="1630392"/>
+              <a:ext cx="8686800" cy="707365"/>
+            </a:xfrm>
+            <a:prstGeom prst="rect">
+              <a:avLst/>
+            </a:prstGeom>
+          </p:spPr>
+          <p:style>
+            <a:lnRef idx="2">
+              <a:schemeClr val="accent1">
+                <a:shade val="50000"/>
+              </a:schemeClr>
+            </a:lnRef>
+            <a:fillRef idx="1">
+              <a:schemeClr val="accent1"/>
+            </a:fillRef>
+            <a:effectRef idx="0">
+              <a:schemeClr val="accent1"/>
+            </a:effectRef>
+            <a:fontRef idx="minor">
+              <a:schemeClr val="lt1"/>
+            </a:fontRef>
+          </p:style>
+          <p:txBody>
+            <a:bodyPr rtlCol="0" anchor="ctr"/>
+            <a:lstStyle/>
+            <a:p>
+              <a:pPr algn="ctr"/>
+              <a:r>
+                <a:rPr lang="en-US" dirty="0"/>
+                <a:t>Title Text goes here</a:t>
+              </a:r>
+            </a:p>
+          </p:txBody>
+        </p:sp>
+      </p:grpSp>
+      <p:grpSp>
+        <p:nvGrpSpPr>
+          <p:cNvPr id="10" name="Group 9">
+            <a:extLst>
+              <a:ext uri="{FF2B5EF4-FFF2-40B4-BE49-F238E27FC236}">
+                <a16:creationId xmlns:a16="http://schemas.microsoft.com/office/drawing/2014/main" id="{7FF498E6-B8E4-7BBA-0A1C-FCF32C0E6A12}"/>
+              </a:ext>
+            </a:extLst>
+          </p:cNvPr>
+          <p:cNvGrpSpPr/>
+          <p:nvPr/>
+        </p:nvGrpSpPr>
+        <p:grpSpPr>
+          <a:xfrm>
+            <a:off x="6117317" y="2760450"/>
+            <a:ext cx="5917721" cy="3303916"/>
+            <a:chOff x="1647645" y="1621766"/>
+            <a:chExt cx="8686800" cy="4511615"/>
+          </a:xfrm>
+        </p:grpSpPr>
+        <p:sp>
+          <p:nvSpPr>
+            <p:cNvPr id="11" name="Rectangle 10">
+              <a:extLst>
+                <a:ext uri="{FF2B5EF4-FFF2-40B4-BE49-F238E27FC236}">
+                  <a16:creationId xmlns:a16="http://schemas.microsoft.com/office/drawing/2014/main" id="{EA2AC1F7-DAC0-2296-7E0F-ED112D35E787}"/>
+                </a:ext>
+              </a:extLst>
+            </p:cNvPr>
+            <p:cNvSpPr/>
+            <p:nvPr/>
+          </p:nvSpPr>
+          <p:spPr>
+            <a:xfrm>
+              <a:off x="1647645" y="1621766"/>
+              <a:ext cx="8686800" cy="4511615"/>
+            </a:xfrm>
+            <a:prstGeom prst="rect">
+              <a:avLst/>
+            </a:prstGeom>
+            <a:solidFill>
+              <a:schemeClr val="bg1">
+                <a:lumMod val="85000"/>
+              </a:schemeClr>
+            </a:solidFill>
+          </p:spPr>
+          <p:style>
+            <a:lnRef idx="2">
+              <a:schemeClr val="accent1">
+                <a:shade val="50000"/>
+              </a:schemeClr>
+            </a:lnRef>
+            <a:fillRef idx="1">
+              <a:schemeClr val="accent1"/>
+            </a:fillRef>
+            <a:effectRef idx="0">
+              <a:schemeClr val="accent1"/>
+            </a:effectRef>
+            <a:fontRef idx="minor">
+              <a:schemeClr val="lt1"/>
+            </a:fontRef>
+          </p:style>
+          <p:txBody>
+            <a:bodyPr rtlCol="0" anchor="ctr"/>
+            <a:lstStyle/>
+            <a:p>
+              <a:pPr algn="ctr"/>
+              <a:endParaRPr lang="en-US" dirty="0"/>
+            </a:p>
+          </p:txBody>
+        </p:sp>
+        <p:sp>
+          <p:nvSpPr>
+            <p:cNvPr id="12" name="Rectangle 11">
+              <a:extLst>
+                <a:ext uri="{FF2B5EF4-FFF2-40B4-BE49-F238E27FC236}">
+                  <a16:creationId xmlns:a16="http://schemas.microsoft.com/office/drawing/2014/main" id="{7A37DB38-602A-B2EB-8D90-68A8391390C0}"/>
+                </a:ext>
+              </a:extLst>
+            </p:cNvPr>
+            <p:cNvSpPr/>
+            <p:nvPr/>
+          </p:nvSpPr>
+          <p:spPr>
+            <a:xfrm>
+              <a:off x="2518913" y="2208362"/>
+              <a:ext cx="7116793" cy="3303917"/>
+            </a:xfrm>
+            <a:prstGeom prst="rect">
+              <a:avLst/>
+            </a:prstGeom>
+          </p:spPr>
+          <p:style>
+            <a:lnRef idx="2">
+              <a:schemeClr val="accent1">
+                <a:shade val="50000"/>
+              </a:schemeClr>
+            </a:lnRef>
+            <a:fillRef idx="1">
+              <a:schemeClr val="accent1"/>
+            </a:fillRef>
+            <a:effectRef idx="0">
+              <a:schemeClr val="accent1"/>
+            </a:effectRef>
+            <a:fontRef idx="minor">
+              <a:schemeClr val="lt1"/>
+            </a:fontRef>
+          </p:style>
+          <p:txBody>
+            <a:bodyPr rtlCol="0" anchor="ctr"/>
+            <a:lstStyle/>
+            <a:p>
+              <a:pPr algn="ctr"/>
+              <a:r>
+                <a:rPr lang="en-US" dirty="0"/>
+                <a:t>Text goes here</a:t>
+              </a:r>
+            </a:p>
+          </p:txBody>
+        </p:sp>
+      </p:grpSp>
+      <p:sp>
+        <p:nvSpPr>
+          <p:cNvPr id="13" name="Rectangle 12">
+            <a:extLst>
+              <a:ext uri="{FF2B5EF4-FFF2-40B4-BE49-F238E27FC236}">
+                <a16:creationId xmlns:a16="http://schemas.microsoft.com/office/drawing/2014/main" id="{30E4A6AC-9979-9223-468B-6C511699A9F1}"/>
+              </a:ext>
+            </a:extLst>
+          </p:cNvPr>
+          <p:cNvSpPr/>
+          <p:nvPr/>
+        </p:nvSpPr>
         <p:spPr>
           <a:xfrm>
-            <a:off x="2738857" y="1255486"/>
-            <a:ext cx="6714286" cy="5485714"/>
+            <a:off x="156964" y="1802918"/>
+            <a:ext cx="5917721" cy="767751"/>
           </a:xfrm>
           <a:prstGeom prst="rect">
             <a:avLst/>
           </a:prstGeom>
         </p:spPr>
-      </p:pic>
+        <p:style>
+          <a:lnRef idx="2">
+            <a:schemeClr val="accent1">
+              <a:shade val="50000"/>
+            </a:schemeClr>
+          </a:lnRef>
+          <a:fillRef idx="1">
+            <a:schemeClr val="accent1"/>
+          </a:fillRef>
+          <a:effectRef idx="0">
+            <a:schemeClr val="accent1"/>
+          </a:effectRef>
+          <a:fontRef idx="minor">
+            <a:schemeClr val="lt1"/>
+          </a:fontRef>
+        </p:style>
+        <p:txBody>
+          <a:bodyPr rtlCol="0" anchor="ctr"/>
+          <a:lstStyle/>
+          <a:p>
+            <a:pPr algn="ctr"/>
+            <a:r>
+              <a:rPr lang="en-US" dirty="0"/>
+              <a:t>Front</a:t>
+            </a:r>
+          </a:p>
+        </p:txBody>
+      </p:sp>
+      <p:sp>
+        <p:nvSpPr>
+          <p:cNvPr id="14" name="Rectangle 13">
+            <a:extLst>
+              <a:ext uri="{FF2B5EF4-FFF2-40B4-BE49-F238E27FC236}">
+                <a16:creationId xmlns:a16="http://schemas.microsoft.com/office/drawing/2014/main" id="{588828A4-AC84-1A1C-51B1-6DE2B2136A2E}"/>
+              </a:ext>
+            </a:extLst>
+          </p:cNvPr>
+          <p:cNvSpPr/>
+          <p:nvPr/>
+        </p:nvSpPr>
+        <p:spPr>
+          <a:xfrm>
+            <a:off x="6117315" y="1802918"/>
+            <a:ext cx="5917721" cy="767751"/>
+          </a:xfrm>
+          <a:prstGeom prst="rect">
+            <a:avLst/>
+          </a:prstGeom>
+        </p:spPr>
+        <p:style>
+          <a:lnRef idx="2">
+            <a:schemeClr val="accent1">
+              <a:shade val="50000"/>
+            </a:schemeClr>
+          </a:lnRef>
+          <a:fillRef idx="1">
+            <a:schemeClr val="accent1"/>
+          </a:fillRef>
+          <a:effectRef idx="0">
+            <a:schemeClr val="accent1"/>
+          </a:effectRef>
+          <a:fontRef idx="minor">
+            <a:schemeClr val="lt1"/>
+          </a:fontRef>
+        </p:style>
+        <p:txBody>
+          <a:bodyPr rtlCol="0" anchor="ctr"/>
+          <a:lstStyle/>
+          <a:p>
+            <a:pPr algn="ctr"/>
+            <a:r>
+              <a:rPr lang="en-US" dirty="0"/>
+              <a:t>Back</a:t>
+            </a:r>
+          </a:p>
+        </p:txBody>
+      </p:sp>
     </p:spTree>
     <p:extLst>
       <p:ext uri="{BB962C8B-B14F-4D97-AF65-F5344CB8AC3E}">
-        <p14:creationId xmlns:p14="http://schemas.microsoft.com/office/powerpoint/2010/main" val="2483146567"/>
+        <p14:creationId xmlns:p14="http://schemas.microsoft.com/office/powerpoint/2010/main" val="3407120620"/>
       </p:ext>
     </p:extLst>
   </p:cSld>
@@ -4197,7 +4554,710 @@
             <a:pPr algn="ctr"/>
             <a:r>
               <a:rPr lang="en-US" dirty="0"/>
-              <a:t>Submit Payment</a:t>
+              <a:t>Standard Card Template</a:t>
+            </a:r>
+          </a:p>
+        </p:txBody>
+      </p:sp>
+      <p:pic>
+        <p:nvPicPr>
+          <p:cNvPr id="6" name="Graphic 5" descr="Aquarius with solid fill">
+            <a:extLst>
+              <a:ext uri="{FF2B5EF4-FFF2-40B4-BE49-F238E27FC236}">
+                <a16:creationId xmlns:a16="http://schemas.microsoft.com/office/drawing/2014/main" id="{55E8384B-8585-D867-6330-AFF8F756D04A}"/>
+              </a:ext>
+            </a:extLst>
+          </p:cNvPr>
+          <p:cNvPicPr>
+            <a:picLocks noChangeAspect="1"/>
+          </p:cNvPicPr>
+          <p:nvPr/>
+        </p:nvPicPr>
+        <p:blipFill>
+          <a:blip r:embed="rId2">
+            <a:extLst>
+              <a:ext uri="{28A0092B-C50C-407E-A947-70E740481C1C}">
+                <a14:useLocalDpi xmlns:a14="http://schemas.microsoft.com/office/drawing/2010/main" val="0"/>
+              </a:ext>
+              <a:ext uri="{96DAC541-7B7A-43D3-8B79-37D633B846F1}">
+                <asvg:svgBlip xmlns:asvg="http://schemas.microsoft.com/office/drawing/2016/SVG/main" r:embed="rId3"/>
+              </a:ext>
+            </a:extLst>
+          </a:blip>
+          <a:stretch>
+            <a:fillRect/>
+          </a:stretch>
+        </p:blipFill>
+        <p:spPr>
+          <a:xfrm>
+            <a:off x="238664" y="51758"/>
+            <a:ext cx="914400" cy="914400"/>
+          </a:xfrm>
+          <a:prstGeom prst="rect">
+            <a:avLst/>
+          </a:prstGeom>
+        </p:spPr>
+      </p:pic>
+      <p:sp>
+        <p:nvSpPr>
+          <p:cNvPr id="11" name="Rectangle 10">
+            <a:extLst>
+              <a:ext uri="{FF2B5EF4-FFF2-40B4-BE49-F238E27FC236}">
+                <a16:creationId xmlns:a16="http://schemas.microsoft.com/office/drawing/2014/main" id="{E2AF1200-C117-BF6C-7253-F465DF415968}"/>
+              </a:ext>
+            </a:extLst>
+          </p:cNvPr>
+          <p:cNvSpPr/>
+          <p:nvPr/>
+        </p:nvSpPr>
+        <p:spPr>
+          <a:xfrm>
+            <a:off x="290420" y="1094940"/>
+            <a:ext cx="3459193" cy="586903"/>
+          </a:xfrm>
+          <a:prstGeom prst="rect">
+            <a:avLst/>
+          </a:prstGeom>
+        </p:spPr>
+        <p:style>
+          <a:lnRef idx="2">
+            <a:schemeClr val="accent1">
+              <a:shade val="50000"/>
+            </a:schemeClr>
+          </a:lnRef>
+          <a:fillRef idx="1">
+            <a:schemeClr val="accent1"/>
+          </a:fillRef>
+          <a:effectRef idx="0">
+            <a:schemeClr val="accent1"/>
+          </a:effectRef>
+          <a:fontRef idx="minor">
+            <a:schemeClr val="lt1"/>
+          </a:fontRef>
+        </p:style>
+        <p:txBody>
+          <a:bodyPr rtlCol="0" anchor="ctr"/>
+          <a:lstStyle/>
+          <a:p>
+            <a:pPr algn="ctr"/>
+            <a:r>
+              <a:rPr lang="en-US" dirty="0"/>
+              <a:t>Cover page</a:t>
+            </a:r>
+          </a:p>
+        </p:txBody>
+      </p:sp>
+      <p:grpSp>
+        <p:nvGrpSpPr>
+          <p:cNvPr id="12" name="Group 11">
+            <a:extLst>
+              <a:ext uri="{FF2B5EF4-FFF2-40B4-BE49-F238E27FC236}">
+                <a16:creationId xmlns:a16="http://schemas.microsoft.com/office/drawing/2014/main" id="{409EFC0B-236B-16D8-437B-FD23FFAD5468}"/>
+              </a:ext>
+            </a:extLst>
+          </p:cNvPr>
+          <p:cNvGrpSpPr/>
+          <p:nvPr/>
+        </p:nvGrpSpPr>
+        <p:grpSpPr>
+          <a:xfrm>
+            <a:off x="4418158" y="1843176"/>
+            <a:ext cx="3459194" cy="4951562"/>
+            <a:chOff x="1647642" y="1621766"/>
+            <a:chExt cx="8686803" cy="4511615"/>
+          </a:xfrm>
+        </p:grpSpPr>
+        <p:sp>
+          <p:nvSpPr>
+            <p:cNvPr id="13" name="Rectangle 12">
+              <a:extLst>
+                <a:ext uri="{FF2B5EF4-FFF2-40B4-BE49-F238E27FC236}">
+                  <a16:creationId xmlns:a16="http://schemas.microsoft.com/office/drawing/2014/main" id="{AF24E3C2-306E-3FFF-8420-AC025573968A}"/>
+                </a:ext>
+              </a:extLst>
+            </p:cNvPr>
+            <p:cNvSpPr/>
+            <p:nvPr/>
+          </p:nvSpPr>
+          <p:spPr>
+            <a:xfrm>
+              <a:off x="1647645" y="1621766"/>
+              <a:ext cx="8686800" cy="4511615"/>
+            </a:xfrm>
+            <a:prstGeom prst="rect">
+              <a:avLst/>
+            </a:prstGeom>
+            <a:solidFill>
+              <a:schemeClr val="bg1">
+                <a:lumMod val="85000"/>
+              </a:schemeClr>
+            </a:solidFill>
+          </p:spPr>
+          <p:style>
+            <a:lnRef idx="2">
+              <a:schemeClr val="accent1">
+                <a:shade val="50000"/>
+              </a:schemeClr>
+            </a:lnRef>
+            <a:fillRef idx="1">
+              <a:schemeClr val="accent1"/>
+            </a:fillRef>
+            <a:effectRef idx="0">
+              <a:schemeClr val="accent1"/>
+            </a:effectRef>
+            <a:fontRef idx="minor">
+              <a:schemeClr val="lt1"/>
+            </a:fontRef>
+          </p:style>
+          <p:txBody>
+            <a:bodyPr rtlCol="0" anchor="ctr"/>
+            <a:lstStyle/>
+            <a:p>
+              <a:pPr algn="ctr"/>
+              <a:endParaRPr lang="en-US" dirty="0"/>
+            </a:p>
+          </p:txBody>
+        </p:sp>
+        <p:sp>
+          <p:nvSpPr>
+            <p:cNvPr id="14" name="Rectangle 13">
+              <a:extLst>
+                <a:ext uri="{FF2B5EF4-FFF2-40B4-BE49-F238E27FC236}">
+                  <a16:creationId xmlns:a16="http://schemas.microsoft.com/office/drawing/2014/main" id="{B16A8B2F-E07D-C468-97BA-F18DE32F81C5}"/>
+                </a:ext>
+              </a:extLst>
+            </p:cNvPr>
+            <p:cNvSpPr/>
+            <p:nvPr/>
+          </p:nvSpPr>
+          <p:spPr>
+            <a:xfrm>
+              <a:off x="1647642" y="2538481"/>
+              <a:ext cx="8686801" cy="2214169"/>
+            </a:xfrm>
+            <a:prstGeom prst="rect">
+              <a:avLst/>
+            </a:prstGeom>
+          </p:spPr>
+          <p:style>
+            <a:lnRef idx="2">
+              <a:schemeClr val="accent1">
+                <a:shade val="50000"/>
+              </a:schemeClr>
+            </a:lnRef>
+            <a:fillRef idx="1">
+              <a:schemeClr val="accent1"/>
+            </a:fillRef>
+            <a:effectRef idx="0">
+              <a:schemeClr val="accent1"/>
+            </a:effectRef>
+            <a:fontRef idx="minor">
+              <a:schemeClr val="lt1"/>
+            </a:fontRef>
+          </p:style>
+          <p:txBody>
+            <a:bodyPr rtlCol="0" anchor="ctr"/>
+            <a:lstStyle/>
+            <a:p>
+              <a:pPr algn="ctr"/>
+              <a:r>
+                <a:rPr lang="en-US" dirty="0"/>
+                <a:t>Broiler plate text goes here</a:t>
+              </a:r>
+            </a:p>
+            <a:p>
+              <a:pPr algn="ctr"/>
+              <a:r>
+                <a:rPr lang="en-US" dirty="0"/>
+                <a:t>(Not customizable)</a:t>
+              </a:r>
+            </a:p>
+          </p:txBody>
+        </p:sp>
+      </p:grpSp>
+      <p:sp>
+        <p:nvSpPr>
+          <p:cNvPr id="15" name="Rectangle 14">
+            <a:extLst>
+              <a:ext uri="{FF2B5EF4-FFF2-40B4-BE49-F238E27FC236}">
+                <a16:creationId xmlns:a16="http://schemas.microsoft.com/office/drawing/2014/main" id="{34A8685F-99B5-997E-05E0-E59BE678FFC5}"/>
+              </a:ext>
+            </a:extLst>
+          </p:cNvPr>
+          <p:cNvSpPr/>
+          <p:nvPr/>
+        </p:nvSpPr>
+        <p:spPr>
+          <a:xfrm>
+            <a:off x="4418159" y="1094940"/>
+            <a:ext cx="3459193" cy="586903"/>
+          </a:xfrm>
+          <a:prstGeom prst="rect">
+            <a:avLst/>
+          </a:prstGeom>
+        </p:spPr>
+        <p:style>
+          <a:lnRef idx="2">
+            <a:schemeClr val="accent1">
+              <a:shade val="50000"/>
+            </a:schemeClr>
+          </a:lnRef>
+          <a:fillRef idx="1">
+            <a:schemeClr val="accent1"/>
+          </a:fillRef>
+          <a:effectRef idx="0">
+            <a:schemeClr val="accent1"/>
+          </a:effectRef>
+          <a:fontRef idx="minor">
+            <a:schemeClr val="lt1"/>
+          </a:fontRef>
+        </p:style>
+        <p:txBody>
+          <a:bodyPr rtlCol="0" anchor="ctr"/>
+          <a:lstStyle/>
+          <a:p>
+            <a:pPr algn="ctr"/>
+            <a:r>
+              <a:rPr lang="en-US" dirty="0"/>
+              <a:t>Inside Left Page</a:t>
+            </a:r>
+          </a:p>
+        </p:txBody>
+      </p:sp>
+      <p:grpSp>
+        <p:nvGrpSpPr>
+          <p:cNvPr id="16" name="Group 15">
+            <a:extLst>
+              <a:ext uri="{FF2B5EF4-FFF2-40B4-BE49-F238E27FC236}">
+                <a16:creationId xmlns:a16="http://schemas.microsoft.com/office/drawing/2014/main" id="{3911A894-0CDA-F831-02BE-6AC08F52C61C}"/>
+              </a:ext>
+            </a:extLst>
+          </p:cNvPr>
+          <p:cNvGrpSpPr/>
+          <p:nvPr/>
+        </p:nvGrpSpPr>
+        <p:grpSpPr>
+          <a:xfrm>
+            <a:off x="8422254" y="1843176"/>
+            <a:ext cx="3459193" cy="4951562"/>
+            <a:chOff x="1647645" y="1621766"/>
+            <a:chExt cx="8686800" cy="4511615"/>
+          </a:xfrm>
+        </p:grpSpPr>
+        <p:sp>
+          <p:nvSpPr>
+            <p:cNvPr id="17" name="Rectangle 16">
+              <a:extLst>
+                <a:ext uri="{FF2B5EF4-FFF2-40B4-BE49-F238E27FC236}">
+                  <a16:creationId xmlns:a16="http://schemas.microsoft.com/office/drawing/2014/main" id="{1709F84E-B6B5-F78D-D76F-0449F466A1A2}"/>
+                </a:ext>
+              </a:extLst>
+            </p:cNvPr>
+            <p:cNvSpPr/>
+            <p:nvPr/>
+          </p:nvSpPr>
+          <p:spPr>
+            <a:xfrm>
+              <a:off x="1647645" y="1621766"/>
+              <a:ext cx="8686800" cy="4511615"/>
+            </a:xfrm>
+            <a:prstGeom prst="rect">
+              <a:avLst/>
+            </a:prstGeom>
+            <a:solidFill>
+              <a:schemeClr val="bg1">
+                <a:lumMod val="85000"/>
+              </a:schemeClr>
+            </a:solidFill>
+          </p:spPr>
+          <p:style>
+            <a:lnRef idx="2">
+              <a:schemeClr val="accent1">
+                <a:shade val="50000"/>
+              </a:schemeClr>
+            </a:lnRef>
+            <a:fillRef idx="1">
+              <a:schemeClr val="accent1"/>
+            </a:fillRef>
+            <a:effectRef idx="0">
+              <a:schemeClr val="accent1"/>
+            </a:effectRef>
+            <a:fontRef idx="minor">
+              <a:schemeClr val="lt1"/>
+            </a:fontRef>
+          </p:style>
+          <p:txBody>
+            <a:bodyPr rtlCol="0" anchor="ctr"/>
+            <a:lstStyle/>
+            <a:p>
+              <a:pPr algn="ctr"/>
+              <a:endParaRPr lang="en-US" dirty="0"/>
+            </a:p>
+          </p:txBody>
+        </p:sp>
+        <p:sp>
+          <p:nvSpPr>
+            <p:cNvPr id="18" name="Rectangle 17">
+              <a:extLst>
+                <a:ext uri="{FF2B5EF4-FFF2-40B4-BE49-F238E27FC236}">
+                  <a16:creationId xmlns:a16="http://schemas.microsoft.com/office/drawing/2014/main" id="{F657DE9F-FDE8-829F-2F6B-73E5805C9639}"/>
+                </a:ext>
+              </a:extLst>
+            </p:cNvPr>
+            <p:cNvSpPr/>
+            <p:nvPr/>
+          </p:nvSpPr>
+          <p:spPr>
+            <a:xfrm>
+              <a:off x="2182000" y="1726566"/>
+              <a:ext cx="7690307" cy="4032159"/>
+            </a:xfrm>
+            <a:prstGeom prst="rect">
+              <a:avLst/>
+            </a:prstGeom>
+          </p:spPr>
+          <p:style>
+            <a:lnRef idx="2">
+              <a:schemeClr val="accent1">
+                <a:shade val="50000"/>
+              </a:schemeClr>
+            </a:lnRef>
+            <a:fillRef idx="1">
+              <a:schemeClr val="accent1"/>
+            </a:fillRef>
+            <a:effectRef idx="0">
+              <a:schemeClr val="accent1"/>
+            </a:effectRef>
+            <a:fontRef idx="minor">
+              <a:schemeClr val="lt1"/>
+            </a:fontRef>
+          </p:style>
+          <p:txBody>
+            <a:bodyPr rtlCol="0" anchor="ctr"/>
+            <a:lstStyle/>
+            <a:p>
+              <a:pPr algn="ctr"/>
+              <a:r>
+                <a:rPr lang="en-US" dirty="0"/>
+                <a:t>Free text goes here</a:t>
+              </a:r>
+            </a:p>
+          </p:txBody>
+        </p:sp>
+      </p:grpSp>
+      <p:sp>
+        <p:nvSpPr>
+          <p:cNvPr id="19" name="Rectangle 18">
+            <a:extLst>
+              <a:ext uri="{FF2B5EF4-FFF2-40B4-BE49-F238E27FC236}">
+                <a16:creationId xmlns:a16="http://schemas.microsoft.com/office/drawing/2014/main" id="{1D70CD44-D1CC-3832-FCCD-7C6034123B23}"/>
+              </a:ext>
+            </a:extLst>
+          </p:cNvPr>
+          <p:cNvSpPr/>
+          <p:nvPr/>
+        </p:nvSpPr>
+        <p:spPr>
+          <a:xfrm>
+            <a:off x="8422254" y="1094940"/>
+            <a:ext cx="3459193" cy="586903"/>
+          </a:xfrm>
+          <a:prstGeom prst="rect">
+            <a:avLst/>
+          </a:prstGeom>
+        </p:spPr>
+        <p:style>
+          <a:lnRef idx="2">
+            <a:schemeClr val="accent1">
+              <a:shade val="50000"/>
+            </a:schemeClr>
+          </a:lnRef>
+          <a:fillRef idx="1">
+            <a:schemeClr val="accent1"/>
+          </a:fillRef>
+          <a:effectRef idx="0">
+            <a:schemeClr val="accent1"/>
+          </a:effectRef>
+          <a:fontRef idx="minor">
+            <a:schemeClr val="lt1"/>
+          </a:fontRef>
+        </p:style>
+        <p:txBody>
+          <a:bodyPr rtlCol="0" anchor="ctr"/>
+          <a:lstStyle/>
+          <a:p>
+            <a:pPr algn="ctr"/>
+            <a:r>
+              <a:rPr lang="en-US" dirty="0"/>
+              <a:t>Inside Right Side</a:t>
+            </a:r>
+          </a:p>
+        </p:txBody>
+      </p:sp>
+      <p:grpSp>
+        <p:nvGrpSpPr>
+          <p:cNvPr id="3" name="Group 2">
+            <a:extLst>
+              <a:ext uri="{FF2B5EF4-FFF2-40B4-BE49-F238E27FC236}">
+                <a16:creationId xmlns:a16="http://schemas.microsoft.com/office/drawing/2014/main" id="{3C70548A-FC8C-3397-8E02-B58AE394FE54}"/>
+              </a:ext>
+            </a:extLst>
+          </p:cNvPr>
+          <p:cNvGrpSpPr/>
+          <p:nvPr/>
+        </p:nvGrpSpPr>
+        <p:grpSpPr>
+          <a:xfrm>
+            <a:off x="290420" y="1843176"/>
+            <a:ext cx="3459193" cy="4951562"/>
+            <a:chOff x="290420" y="1843176"/>
+            <a:chExt cx="3459193" cy="4951562"/>
+          </a:xfrm>
+        </p:grpSpPr>
+        <p:grpSp>
+          <p:nvGrpSpPr>
+            <p:cNvPr id="8" name="Group 7">
+              <a:extLst>
+                <a:ext uri="{FF2B5EF4-FFF2-40B4-BE49-F238E27FC236}">
+                  <a16:creationId xmlns:a16="http://schemas.microsoft.com/office/drawing/2014/main" id="{A9E5CF2A-D411-796F-8DAE-73E178285B32}"/>
+                </a:ext>
+              </a:extLst>
+            </p:cNvPr>
+            <p:cNvGrpSpPr/>
+            <p:nvPr/>
+          </p:nvGrpSpPr>
+          <p:grpSpPr>
+            <a:xfrm>
+              <a:off x="290420" y="1843176"/>
+              <a:ext cx="3459193" cy="4951562"/>
+              <a:chOff x="1647645" y="1621766"/>
+              <a:chExt cx="8686800" cy="4511615"/>
+            </a:xfrm>
+          </p:grpSpPr>
+          <p:sp>
+            <p:nvSpPr>
+              <p:cNvPr id="9" name="Rectangle 8">
+                <a:extLst>
+                  <a:ext uri="{FF2B5EF4-FFF2-40B4-BE49-F238E27FC236}">
+                    <a16:creationId xmlns:a16="http://schemas.microsoft.com/office/drawing/2014/main" id="{BE423EDA-5096-B553-FD9A-5BB96529F007}"/>
+                  </a:ext>
+                </a:extLst>
+              </p:cNvPr>
+              <p:cNvSpPr/>
+              <p:nvPr/>
+            </p:nvSpPr>
+            <p:spPr>
+              <a:xfrm>
+                <a:off x="1647645" y="1621766"/>
+                <a:ext cx="8686800" cy="4511615"/>
+              </a:xfrm>
+              <a:prstGeom prst="rect">
+                <a:avLst/>
+              </a:prstGeom>
+              <a:solidFill>
+                <a:schemeClr val="bg1">
+                  <a:lumMod val="85000"/>
+                </a:schemeClr>
+              </a:solidFill>
+            </p:spPr>
+            <p:style>
+              <a:lnRef idx="2">
+                <a:schemeClr val="accent1">
+                  <a:shade val="50000"/>
+                </a:schemeClr>
+              </a:lnRef>
+              <a:fillRef idx="1">
+                <a:schemeClr val="accent1"/>
+              </a:fillRef>
+              <a:effectRef idx="0">
+                <a:schemeClr val="accent1"/>
+              </a:effectRef>
+              <a:fontRef idx="minor">
+                <a:schemeClr val="lt1"/>
+              </a:fontRef>
+            </p:style>
+            <p:txBody>
+              <a:bodyPr rtlCol="0" anchor="ctr"/>
+              <a:lstStyle/>
+              <a:p>
+                <a:pPr algn="ctr"/>
+                <a:endParaRPr lang="en-US" dirty="0"/>
+              </a:p>
+            </p:txBody>
+          </p:sp>
+          <p:sp>
+            <p:nvSpPr>
+              <p:cNvPr id="10" name="Rectangle 9">
+                <a:extLst>
+                  <a:ext uri="{FF2B5EF4-FFF2-40B4-BE49-F238E27FC236}">
+                    <a16:creationId xmlns:a16="http://schemas.microsoft.com/office/drawing/2014/main" id="{DF5C15F4-6281-1DBB-866A-EA1143446218}"/>
+                  </a:ext>
+                </a:extLst>
+              </p:cNvPr>
+              <p:cNvSpPr/>
+              <p:nvPr/>
+            </p:nvSpPr>
+            <p:spPr>
+              <a:xfrm>
+                <a:off x="1647645" y="1621766"/>
+                <a:ext cx="8686797" cy="670717"/>
+              </a:xfrm>
+              <a:prstGeom prst="rect">
+                <a:avLst/>
+              </a:prstGeom>
+            </p:spPr>
+            <p:style>
+              <a:lnRef idx="2">
+                <a:schemeClr val="accent3">
+                  <a:shade val="50000"/>
+                </a:schemeClr>
+              </a:lnRef>
+              <a:fillRef idx="1">
+                <a:schemeClr val="accent3"/>
+              </a:fillRef>
+              <a:effectRef idx="0">
+                <a:schemeClr val="accent3"/>
+              </a:effectRef>
+              <a:fontRef idx="minor">
+                <a:schemeClr val="lt1"/>
+              </a:fontRef>
+            </p:style>
+            <p:txBody>
+              <a:bodyPr rtlCol="0" anchor="ctr"/>
+              <a:lstStyle/>
+              <a:p>
+                <a:pPr algn="ctr"/>
+                <a:r>
+                  <a:rPr lang="en-US" dirty="0"/>
+                  <a:t>Title goes here</a:t>
+                </a:r>
+              </a:p>
+            </p:txBody>
+          </p:sp>
+        </p:grpSp>
+        <p:sp>
+          <p:nvSpPr>
+            <p:cNvPr id="2" name="Rectangle 1">
+              <a:extLst>
+                <a:ext uri="{FF2B5EF4-FFF2-40B4-BE49-F238E27FC236}">
+                  <a16:creationId xmlns:a16="http://schemas.microsoft.com/office/drawing/2014/main" id="{43E40326-A876-10E4-F516-561AF5A3D2A8}"/>
+                </a:ext>
+              </a:extLst>
+            </p:cNvPr>
+            <p:cNvSpPr/>
+            <p:nvPr/>
+          </p:nvSpPr>
+          <p:spPr>
+            <a:xfrm>
+              <a:off x="290420" y="2579298"/>
+              <a:ext cx="3459192" cy="4215440"/>
+            </a:xfrm>
+            <a:prstGeom prst="rect">
+              <a:avLst/>
+            </a:prstGeom>
+          </p:spPr>
+          <p:style>
+            <a:lnRef idx="1">
+              <a:schemeClr val="accent3"/>
+            </a:lnRef>
+            <a:fillRef idx="2">
+              <a:schemeClr val="accent3"/>
+            </a:fillRef>
+            <a:effectRef idx="1">
+              <a:schemeClr val="accent3"/>
+            </a:effectRef>
+            <a:fontRef idx="minor">
+              <a:schemeClr val="dk1"/>
+            </a:fontRef>
+          </p:style>
+          <p:txBody>
+            <a:bodyPr rtlCol="0" anchor="ctr"/>
+            <a:lstStyle/>
+            <a:p>
+              <a:pPr algn="ctr"/>
+              <a:r>
+                <a:rPr lang="en-US" dirty="0"/>
+                <a:t>Image goes here</a:t>
+              </a:r>
+            </a:p>
+          </p:txBody>
+        </p:sp>
+      </p:grpSp>
+    </p:spTree>
+    <p:extLst>
+      <p:ext uri="{BB962C8B-B14F-4D97-AF65-F5344CB8AC3E}">
+        <p14:creationId xmlns:p14="http://schemas.microsoft.com/office/powerpoint/2010/main" val="1608340040"/>
+      </p:ext>
+    </p:extLst>
+  </p:cSld>
+  <p:clrMapOvr>
+    <a:masterClrMapping/>
+  </p:clrMapOvr>
+</p:sld>
+</file>
+
+<file path=ppt/slides/slide5.xml><?xml version="1.0" encoding="utf-8"?>
+<p:sld xmlns:a="http://schemas.openxmlformats.org/drawingml/2006/main" xmlns:r="http://schemas.openxmlformats.org/officeDocument/2006/relationships" xmlns:p="http://schemas.openxmlformats.org/presentationml/2006/main">
+  <p:cSld>
+    <p:spTree>
+      <p:nvGrpSpPr>
+        <p:cNvPr id="1" name=""/>
+        <p:cNvGrpSpPr/>
+        <p:nvPr/>
+      </p:nvGrpSpPr>
+      <p:grpSpPr>
+        <a:xfrm>
+          <a:off x="0" y="0"/>
+          <a:ext cx="0" cy="0"/>
+          <a:chOff x="0" y="0"/>
+          <a:chExt cx="0" cy="0"/>
+        </a:xfrm>
+      </p:grpSpPr>
+      <p:sp>
+        <p:nvSpPr>
+          <p:cNvPr id="4" name="Rectangle 3">
+            <a:extLst>
+              <a:ext uri="{FF2B5EF4-FFF2-40B4-BE49-F238E27FC236}">
+                <a16:creationId xmlns:a16="http://schemas.microsoft.com/office/drawing/2014/main" id="{85C89A2A-D6A0-C2E8-DAB4-1DF766BFD065}"/>
+              </a:ext>
+            </a:extLst>
+          </p:cNvPr>
+          <p:cNvSpPr/>
+          <p:nvPr/>
+        </p:nvSpPr>
+        <p:spPr>
+          <a:xfrm>
+            <a:off x="0" y="0"/>
+            <a:ext cx="12192000" cy="1017917"/>
+          </a:xfrm>
+          <a:prstGeom prst="rect">
+            <a:avLst/>
+          </a:prstGeom>
+        </p:spPr>
+        <p:style>
+          <a:lnRef idx="2">
+            <a:schemeClr val="accent1">
+              <a:shade val="50000"/>
+            </a:schemeClr>
+          </a:lnRef>
+          <a:fillRef idx="1">
+            <a:schemeClr val="accent1"/>
+          </a:fillRef>
+          <a:effectRef idx="0">
+            <a:schemeClr val="accent1"/>
+          </a:effectRef>
+          <a:fontRef idx="minor">
+            <a:schemeClr val="lt1"/>
+          </a:fontRef>
+        </p:style>
+        <p:txBody>
+          <a:bodyPr rtlCol="0" anchor="ctr"/>
+          <a:lstStyle/>
+          <a:p>
+            <a:pPr algn="ctr"/>
+            <a:r>
+              <a:rPr lang="en-US" dirty="0"/>
+              <a:t>Login Page</a:t>
             </a:r>
           </a:p>
         </p:txBody>
@@ -4243,10 +5303,207 @@
       </p:pic>
       <p:pic>
         <p:nvPicPr>
-          <p:cNvPr id="13" name="Picture 12">
-            <a:extLst>
-              <a:ext uri="{FF2B5EF4-FFF2-40B4-BE49-F238E27FC236}">
-                <a16:creationId xmlns:a16="http://schemas.microsoft.com/office/drawing/2014/main" id="{1A243C1D-A413-DF29-7DEB-07ED96C72D76}"/>
+          <p:cNvPr id="9" name="Picture 8">
+            <a:extLst>
+              <a:ext uri="{FF2B5EF4-FFF2-40B4-BE49-F238E27FC236}">
+                <a16:creationId xmlns:a16="http://schemas.microsoft.com/office/drawing/2014/main" id="{B653AA1C-8023-D322-3892-2824C3D1923D}"/>
+              </a:ext>
+            </a:extLst>
+          </p:cNvPr>
+          <p:cNvPicPr>
+            <a:picLocks noChangeAspect="1"/>
+          </p:cNvPicPr>
+          <p:nvPr/>
+        </p:nvPicPr>
+        <p:blipFill>
+          <a:blip r:embed="rId4"/>
+          <a:stretch>
+            <a:fillRect/>
+          </a:stretch>
+        </p:blipFill>
+        <p:spPr>
+          <a:xfrm>
+            <a:off x="2738857" y="1120252"/>
+            <a:ext cx="6714286" cy="5485714"/>
+          </a:xfrm>
+          <a:prstGeom prst="rect">
+            <a:avLst/>
+          </a:prstGeom>
+        </p:spPr>
+      </p:pic>
+      <p:sp>
+        <p:nvSpPr>
+          <p:cNvPr id="11" name="Rectangle 10">
+            <a:extLst>
+              <a:ext uri="{FF2B5EF4-FFF2-40B4-BE49-F238E27FC236}">
+                <a16:creationId xmlns:a16="http://schemas.microsoft.com/office/drawing/2014/main" id="{5F137C55-E96F-9AAE-5C9B-71775D0249CC}"/>
+              </a:ext>
+            </a:extLst>
+          </p:cNvPr>
+          <p:cNvSpPr/>
+          <p:nvPr/>
+        </p:nvSpPr>
+        <p:spPr>
+          <a:xfrm>
+            <a:off x="2927927" y="3158836"/>
+            <a:ext cx="6419273" cy="2761673"/>
+          </a:xfrm>
+          <a:prstGeom prst="rect">
+            <a:avLst/>
+          </a:prstGeom>
+          <a:solidFill>
+            <a:schemeClr val="bg1"/>
+          </a:solidFill>
+        </p:spPr>
+        <p:style>
+          <a:lnRef idx="2">
+            <a:schemeClr val="accent1">
+              <a:shade val="50000"/>
+            </a:schemeClr>
+          </a:lnRef>
+          <a:fillRef idx="1">
+            <a:schemeClr val="accent1"/>
+          </a:fillRef>
+          <a:effectRef idx="0">
+            <a:schemeClr val="accent1"/>
+          </a:effectRef>
+          <a:fontRef idx="minor">
+            <a:schemeClr val="lt1"/>
+          </a:fontRef>
+        </p:style>
+        <p:txBody>
+          <a:bodyPr rtlCol="0" anchor="ctr"/>
+          <a:lstStyle/>
+          <a:p>
+            <a:pPr algn="ctr"/>
+            <a:endParaRPr lang="en-US"/>
+          </a:p>
+        </p:txBody>
+      </p:sp>
+    </p:spTree>
+    <p:extLst>
+      <p:ext uri="{BB962C8B-B14F-4D97-AF65-F5344CB8AC3E}">
+        <p14:creationId xmlns:p14="http://schemas.microsoft.com/office/powerpoint/2010/main" val="1424570061"/>
+      </p:ext>
+    </p:extLst>
+  </p:cSld>
+  <p:clrMapOvr>
+    <a:masterClrMapping/>
+  </p:clrMapOvr>
+</p:sld>
+</file>
+
+<file path=ppt/slides/slide6.xml><?xml version="1.0" encoding="utf-8"?>
+<p:sld xmlns:a="http://schemas.openxmlformats.org/drawingml/2006/main" xmlns:r="http://schemas.openxmlformats.org/officeDocument/2006/relationships" xmlns:p="http://schemas.openxmlformats.org/presentationml/2006/main">
+  <p:cSld>
+    <p:spTree>
+      <p:nvGrpSpPr>
+        <p:cNvPr id="1" name=""/>
+        <p:cNvGrpSpPr/>
+        <p:nvPr/>
+      </p:nvGrpSpPr>
+      <p:grpSpPr>
+        <a:xfrm>
+          <a:off x="0" y="0"/>
+          <a:ext cx="0" cy="0"/>
+          <a:chOff x="0" y="0"/>
+          <a:chExt cx="0" cy="0"/>
+        </a:xfrm>
+      </p:grpSpPr>
+      <p:sp>
+        <p:nvSpPr>
+          <p:cNvPr id="4" name="Rectangle 3">
+            <a:extLst>
+              <a:ext uri="{FF2B5EF4-FFF2-40B4-BE49-F238E27FC236}">
+                <a16:creationId xmlns:a16="http://schemas.microsoft.com/office/drawing/2014/main" id="{85C89A2A-D6A0-C2E8-DAB4-1DF766BFD065}"/>
+              </a:ext>
+            </a:extLst>
+          </p:cNvPr>
+          <p:cNvSpPr/>
+          <p:nvPr/>
+        </p:nvSpPr>
+        <p:spPr>
+          <a:xfrm>
+            <a:off x="0" y="0"/>
+            <a:ext cx="12192000" cy="1017917"/>
+          </a:xfrm>
+          <a:prstGeom prst="rect">
+            <a:avLst/>
+          </a:prstGeom>
+        </p:spPr>
+        <p:style>
+          <a:lnRef idx="2">
+            <a:schemeClr val="accent1">
+              <a:shade val="50000"/>
+            </a:schemeClr>
+          </a:lnRef>
+          <a:fillRef idx="1">
+            <a:schemeClr val="accent1"/>
+          </a:fillRef>
+          <a:effectRef idx="0">
+            <a:schemeClr val="accent1"/>
+          </a:effectRef>
+          <a:fontRef idx="minor">
+            <a:schemeClr val="lt1"/>
+          </a:fontRef>
+        </p:style>
+        <p:txBody>
+          <a:bodyPr rtlCol="0" anchor="ctr"/>
+          <a:lstStyle/>
+          <a:p>
+            <a:pPr algn="ctr"/>
+            <a:r>
+              <a:rPr lang="en-US" dirty="0"/>
+              <a:t>Login Page</a:t>
+            </a:r>
+          </a:p>
+        </p:txBody>
+      </p:sp>
+      <p:pic>
+        <p:nvPicPr>
+          <p:cNvPr id="6" name="Graphic 5" descr="Aquarius with solid fill">
+            <a:extLst>
+              <a:ext uri="{FF2B5EF4-FFF2-40B4-BE49-F238E27FC236}">
+                <a16:creationId xmlns:a16="http://schemas.microsoft.com/office/drawing/2014/main" id="{55E8384B-8585-D867-6330-AFF8F756D04A}"/>
+              </a:ext>
+            </a:extLst>
+          </p:cNvPr>
+          <p:cNvPicPr>
+            <a:picLocks noChangeAspect="1"/>
+          </p:cNvPicPr>
+          <p:nvPr/>
+        </p:nvPicPr>
+        <p:blipFill>
+          <a:blip r:embed="rId2">
+            <a:extLst>
+              <a:ext uri="{28A0092B-C50C-407E-A947-70E740481C1C}">
+                <a14:useLocalDpi xmlns:a14="http://schemas.microsoft.com/office/drawing/2010/main" val="0"/>
+              </a:ext>
+              <a:ext uri="{96DAC541-7B7A-43D3-8B79-37D633B846F1}">
+                <asvg:svgBlip xmlns:asvg="http://schemas.microsoft.com/office/drawing/2016/SVG/main" r:embed="rId3"/>
+              </a:ext>
+            </a:extLst>
+          </a:blip>
+          <a:stretch>
+            <a:fillRect/>
+          </a:stretch>
+        </p:blipFill>
+        <p:spPr>
+          <a:xfrm>
+            <a:off x="238664" y="51758"/>
+            <a:ext cx="914400" cy="914400"/>
+          </a:xfrm>
+          <a:prstGeom prst="rect">
+            <a:avLst/>
+          </a:prstGeom>
+        </p:spPr>
+      </p:pic>
+      <p:pic>
+        <p:nvPicPr>
+          <p:cNvPr id="3" name="Picture 2">
+            <a:extLst>
+              <a:ext uri="{FF2B5EF4-FFF2-40B4-BE49-F238E27FC236}">
+                <a16:creationId xmlns:a16="http://schemas.microsoft.com/office/drawing/2014/main" id="{CD71FF4B-DCD3-2853-F04B-614527FAE1B6}"/>
               </a:ext>
             </a:extLst>
           </p:cNvPr>
@@ -4263,23 +5520,121 @@
               </a:ext>
             </a:extLst>
           </a:blip>
-          <a:srcRect l="373" t="-9961" r="-373" b="9961"/>
+          <a:srcRect l="568" t="-1177" r="-568" b="1177"/>
           <a:stretch/>
         </p:blipFill>
         <p:spPr>
           <a:xfrm>
-            <a:off x="1742535" y="1199071"/>
-            <a:ext cx="9247518" cy="4459857"/>
+            <a:off x="1537854" y="1524000"/>
+            <a:ext cx="9116292" cy="4396510"/>
           </a:xfrm>
           <a:prstGeom prst="rect">
             <a:avLst/>
           </a:prstGeom>
         </p:spPr>
       </p:pic>
+      <p:sp>
+        <p:nvSpPr>
+          <p:cNvPr id="5" name="Rectangle 4">
+            <a:extLst>
+              <a:ext uri="{FF2B5EF4-FFF2-40B4-BE49-F238E27FC236}">
+                <a16:creationId xmlns:a16="http://schemas.microsoft.com/office/drawing/2014/main" id="{6B8E4DD9-EF56-3847-EC86-38EF5547374E}"/>
+              </a:ext>
+            </a:extLst>
+          </p:cNvPr>
+          <p:cNvSpPr/>
+          <p:nvPr/>
+        </p:nvSpPr>
+        <p:spPr>
+          <a:xfrm>
+            <a:off x="2458528" y="2563614"/>
+            <a:ext cx="4059208" cy="1154372"/>
+          </a:xfrm>
+          <a:prstGeom prst="rect">
+            <a:avLst/>
+          </a:prstGeom>
+          <a:solidFill>
+            <a:schemeClr val="bg1"/>
+          </a:solidFill>
+        </p:spPr>
+        <p:style>
+          <a:lnRef idx="2">
+            <a:schemeClr val="accent1">
+              <a:shade val="50000"/>
+            </a:schemeClr>
+          </a:lnRef>
+          <a:fillRef idx="1">
+            <a:schemeClr val="accent1"/>
+          </a:fillRef>
+          <a:effectRef idx="0">
+            <a:schemeClr val="accent1"/>
+          </a:effectRef>
+          <a:fontRef idx="minor">
+            <a:schemeClr val="lt1"/>
+          </a:fontRef>
+        </p:style>
+        <p:txBody>
+          <a:bodyPr rtlCol="0" anchor="ctr"/>
+          <a:lstStyle/>
+          <a:p>
+            <a:pPr algn="ctr"/>
+            <a:endParaRPr lang="en-US"/>
+          </a:p>
+        </p:txBody>
+      </p:sp>
+      <p:sp>
+        <p:nvSpPr>
+          <p:cNvPr id="7" name="Rectangle 6">
+            <a:extLst>
+              <a:ext uri="{FF2B5EF4-FFF2-40B4-BE49-F238E27FC236}">
+                <a16:creationId xmlns:a16="http://schemas.microsoft.com/office/drawing/2014/main" id="{E208776F-DED0-0A19-A84F-65B021BAA1BD}"/>
+              </a:ext>
+            </a:extLst>
+          </p:cNvPr>
+          <p:cNvSpPr/>
+          <p:nvPr/>
+        </p:nvSpPr>
+        <p:spPr>
+          <a:xfrm>
+            <a:off x="2458528" y="4242847"/>
+            <a:ext cx="4059208" cy="1154372"/>
+          </a:xfrm>
+          <a:prstGeom prst="rect">
+            <a:avLst/>
+          </a:prstGeom>
+          <a:solidFill>
+            <a:schemeClr val="bg1"/>
+          </a:solidFill>
+        </p:spPr>
+        <p:style>
+          <a:lnRef idx="2">
+            <a:schemeClr val="accent1">
+              <a:shade val="50000"/>
+            </a:schemeClr>
+          </a:lnRef>
+          <a:fillRef idx="1">
+            <a:schemeClr val="accent1"/>
+          </a:fillRef>
+          <a:effectRef idx="0">
+            <a:schemeClr val="accent1"/>
+          </a:effectRef>
+          <a:fontRef idx="minor">
+            <a:schemeClr val="lt1"/>
+          </a:fontRef>
+        </p:style>
+        <p:txBody>
+          <a:bodyPr rtlCol="0" anchor="ctr"/>
+          <a:lstStyle/>
+          <a:p>
+            <a:pPr algn="ctr"/>
+            <a:endParaRPr lang="en-US"/>
+          </a:p>
+        </p:txBody>
+      </p:sp>
     </p:spTree>
     <p:extLst>
       <p:ext uri="{BB962C8B-B14F-4D97-AF65-F5344CB8AC3E}">
-        <p14:creationId xmlns:p14="http://schemas.microsoft.com/office/powerpoint/2010/main" val="2977933691"/>
+        <p14:creationId xmlns:p14="http://schemas.microsoft.com/office/powerpoint/2010/main" val="294885597"/>
       </p:ext>
     </p:extLst>
   </p:cSld>
